--- a/作业5-数据可视化.pptx
+++ b/作业5-数据可视化.pptx
@@ -245,7 +245,7 @@
           <a:p>
             <a:fld id="{8BBBAE7B-3F93-4860-91AB-3045DD666FE6}" type="datetimeFigureOut">
               <a:rPr lang="zh-CN" altLang="en-US" smtClean="0"/>
-              <a:t>2017/11/2</a:t>
+              <a:t>2017/11/3</a:t>
             </a:fld>
             <a:endParaRPr lang="zh-CN" altLang="en-US"/>
           </a:p>
@@ -415,7 +415,7 @@
           <a:p>
             <a:fld id="{8BBBAE7B-3F93-4860-91AB-3045DD666FE6}" type="datetimeFigureOut">
               <a:rPr lang="zh-CN" altLang="en-US" smtClean="0"/>
-              <a:t>2017/11/2</a:t>
+              <a:t>2017/11/3</a:t>
             </a:fld>
             <a:endParaRPr lang="zh-CN" altLang="en-US"/>
           </a:p>
@@ -595,7 +595,7 @@
           <a:p>
             <a:fld id="{8BBBAE7B-3F93-4860-91AB-3045DD666FE6}" type="datetimeFigureOut">
               <a:rPr lang="zh-CN" altLang="en-US" smtClean="0"/>
-              <a:t>2017/11/2</a:t>
+              <a:t>2017/11/3</a:t>
             </a:fld>
             <a:endParaRPr lang="zh-CN" altLang="en-US"/>
           </a:p>
@@ -765,7 +765,7 @@
           <a:p>
             <a:fld id="{8BBBAE7B-3F93-4860-91AB-3045DD666FE6}" type="datetimeFigureOut">
               <a:rPr lang="zh-CN" altLang="en-US" smtClean="0"/>
-              <a:t>2017/11/2</a:t>
+              <a:t>2017/11/3</a:t>
             </a:fld>
             <a:endParaRPr lang="zh-CN" altLang="en-US"/>
           </a:p>
@@ -1011,7 +1011,7 @@
           <a:p>
             <a:fld id="{8BBBAE7B-3F93-4860-91AB-3045DD666FE6}" type="datetimeFigureOut">
               <a:rPr lang="zh-CN" altLang="en-US" smtClean="0"/>
-              <a:t>2017/11/2</a:t>
+              <a:t>2017/11/3</a:t>
             </a:fld>
             <a:endParaRPr lang="zh-CN" altLang="en-US"/>
           </a:p>
@@ -1243,7 +1243,7 @@
           <a:p>
             <a:fld id="{8BBBAE7B-3F93-4860-91AB-3045DD666FE6}" type="datetimeFigureOut">
               <a:rPr lang="zh-CN" altLang="en-US" smtClean="0"/>
-              <a:t>2017/11/2</a:t>
+              <a:t>2017/11/3</a:t>
             </a:fld>
             <a:endParaRPr lang="zh-CN" altLang="en-US"/>
           </a:p>
@@ -1610,7 +1610,7 @@
           <a:p>
             <a:fld id="{8BBBAE7B-3F93-4860-91AB-3045DD666FE6}" type="datetimeFigureOut">
               <a:rPr lang="zh-CN" altLang="en-US" smtClean="0"/>
-              <a:t>2017/11/2</a:t>
+              <a:t>2017/11/3</a:t>
             </a:fld>
             <a:endParaRPr lang="zh-CN" altLang="en-US"/>
           </a:p>
@@ -1728,7 +1728,7 @@
           <a:p>
             <a:fld id="{8BBBAE7B-3F93-4860-91AB-3045DD666FE6}" type="datetimeFigureOut">
               <a:rPr lang="zh-CN" altLang="en-US" smtClean="0"/>
-              <a:t>2017/11/2</a:t>
+              <a:t>2017/11/3</a:t>
             </a:fld>
             <a:endParaRPr lang="zh-CN" altLang="en-US"/>
           </a:p>
@@ -1823,7 +1823,7 @@
           <a:p>
             <a:fld id="{8BBBAE7B-3F93-4860-91AB-3045DD666FE6}" type="datetimeFigureOut">
               <a:rPr lang="zh-CN" altLang="en-US" smtClean="0"/>
-              <a:t>2017/11/2</a:t>
+              <a:t>2017/11/3</a:t>
             </a:fld>
             <a:endParaRPr lang="zh-CN" altLang="en-US"/>
           </a:p>
@@ -2100,7 +2100,7 @@
           <a:p>
             <a:fld id="{8BBBAE7B-3F93-4860-91AB-3045DD666FE6}" type="datetimeFigureOut">
               <a:rPr lang="zh-CN" altLang="en-US" smtClean="0"/>
-              <a:t>2017/11/2</a:t>
+              <a:t>2017/11/3</a:t>
             </a:fld>
             <a:endParaRPr lang="zh-CN" altLang="en-US"/>
           </a:p>
@@ -2353,7 +2353,7 @@
           <a:p>
             <a:fld id="{8BBBAE7B-3F93-4860-91AB-3045DD666FE6}" type="datetimeFigureOut">
               <a:rPr lang="zh-CN" altLang="en-US" smtClean="0"/>
-              <a:t>2017/11/2</a:t>
+              <a:t>2017/11/3</a:t>
             </a:fld>
             <a:endParaRPr lang="zh-CN" altLang="en-US"/>
           </a:p>
@@ -2566,7 +2566,7 @@
           <a:p>
             <a:fld id="{8BBBAE7B-3F93-4860-91AB-3045DD666FE6}" type="datetimeFigureOut">
               <a:rPr lang="zh-CN" altLang="en-US" smtClean="0"/>
-              <a:t>2017/11/2</a:t>
+              <a:t>2017/11/3</a:t>
             </a:fld>
             <a:endParaRPr lang="zh-CN" altLang="en-US"/>
           </a:p>
@@ -2994,6 +2994,10 @@
               <a:rPr lang="en-US" altLang="zh-CN" dirty="0" smtClean="0"/>
               <a:t>5</a:t>
             </a:r>
+            <a:r>
+              <a:rPr lang="zh-CN" altLang="en-US" dirty="0" smtClean="0"/>
+              <a:t>（暂定）</a:t>
+            </a:r>
             <a:endParaRPr lang="zh-CN" altLang="en-US" dirty="0"/>
           </a:p>
         </p:txBody>
@@ -3372,11 +3376,7 @@
             </a:r>
             <a:r>
               <a:rPr lang="zh-CN" altLang="en-US" dirty="0" smtClean="0"/>
-              <a:t>年的平均储蓄率数据，</a:t>
-            </a:r>
-            <a:r>
-              <a:rPr lang="zh-CN" altLang="en-US" dirty="0" smtClean="0"/>
-              <a:t>利用</a:t>
+              <a:t>年的平均储蓄率数据，利用</a:t>
             </a:r>
             <a:r>
               <a:rPr lang="en-US" altLang="zh-CN" dirty="0" smtClean="0"/>
@@ -3384,11 +3384,7 @@
             </a:r>
             <a:r>
               <a:rPr lang="zh-CN" altLang="en-US" dirty="0" smtClean="0"/>
-              <a:t>语句画</a:t>
-            </a:r>
-            <a:r>
-              <a:rPr lang="zh-CN" altLang="en-US" dirty="0" smtClean="0"/>
-              <a:t>出</a:t>
+              <a:t>语句画出</a:t>
             </a:r>
             <a:r>
               <a:rPr lang="en-US" altLang="zh-CN" dirty="0" err="1" smtClean="0"/>

--- a/作业5-数据可视化.pptx
+++ b/作业5-数据可视化.pptx
@@ -6,8 +6,8 @@
   </p:sldMasterIdLst>
   <p:sldIdLst>
     <p:sldId id="258" r:id="rId2"/>
-    <p:sldId id="259" r:id="rId3"/>
-    <p:sldId id="260" r:id="rId4"/>
+    <p:sldId id="260" r:id="rId3"/>
+    <p:sldId id="259" r:id="rId4"/>
   </p:sldIdLst>
   <p:sldSz cx="12192000" cy="6858000"/>
   <p:notesSz cx="6858000" cy="9144000"/>
@@ -245,7 +245,7 @@
           <a:p>
             <a:fld id="{8BBBAE7B-3F93-4860-91AB-3045DD666FE6}" type="datetimeFigureOut">
               <a:rPr lang="zh-CN" altLang="en-US" smtClean="0"/>
-              <a:t>2017/11/3</a:t>
+              <a:t>2017/11/6</a:t>
             </a:fld>
             <a:endParaRPr lang="zh-CN" altLang="en-US"/>
           </a:p>
@@ -415,7 +415,7 @@
           <a:p>
             <a:fld id="{8BBBAE7B-3F93-4860-91AB-3045DD666FE6}" type="datetimeFigureOut">
               <a:rPr lang="zh-CN" altLang="en-US" smtClean="0"/>
-              <a:t>2017/11/3</a:t>
+              <a:t>2017/11/6</a:t>
             </a:fld>
             <a:endParaRPr lang="zh-CN" altLang="en-US"/>
           </a:p>
@@ -595,7 +595,7 @@
           <a:p>
             <a:fld id="{8BBBAE7B-3F93-4860-91AB-3045DD666FE6}" type="datetimeFigureOut">
               <a:rPr lang="zh-CN" altLang="en-US" smtClean="0"/>
-              <a:t>2017/11/3</a:t>
+              <a:t>2017/11/6</a:t>
             </a:fld>
             <a:endParaRPr lang="zh-CN" altLang="en-US"/>
           </a:p>
@@ -765,7 +765,7 @@
           <a:p>
             <a:fld id="{8BBBAE7B-3F93-4860-91AB-3045DD666FE6}" type="datetimeFigureOut">
               <a:rPr lang="zh-CN" altLang="en-US" smtClean="0"/>
-              <a:t>2017/11/3</a:t>
+              <a:t>2017/11/6</a:t>
             </a:fld>
             <a:endParaRPr lang="zh-CN" altLang="en-US"/>
           </a:p>
@@ -1011,7 +1011,7 @@
           <a:p>
             <a:fld id="{8BBBAE7B-3F93-4860-91AB-3045DD666FE6}" type="datetimeFigureOut">
               <a:rPr lang="zh-CN" altLang="en-US" smtClean="0"/>
-              <a:t>2017/11/3</a:t>
+              <a:t>2017/11/6</a:t>
             </a:fld>
             <a:endParaRPr lang="zh-CN" altLang="en-US"/>
           </a:p>
@@ -1243,7 +1243,7 @@
           <a:p>
             <a:fld id="{8BBBAE7B-3F93-4860-91AB-3045DD666FE6}" type="datetimeFigureOut">
               <a:rPr lang="zh-CN" altLang="en-US" smtClean="0"/>
-              <a:t>2017/11/3</a:t>
+              <a:t>2017/11/6</a:t>
             </a:fld>
             <a:endParaRPr lang="zh-CN" altLang="en-US"/>
           </a:p>
@@ -1610,7 +1610,7 @@
           <a:p>
             <a:fld id="{8BBBAE7B-3F93-4860-91AB-3045DD666FE6}" type="datetimeFigureOut">
               <a:rPr lang="zh-CN" altLang="en-US" smtClean="0"/>
-              <a:t>2017/11/3</a:t>
+              <a:t>2017/11/6</a:t>
             </a:fld>
             <a:endParaRPr lang="zh-CN" altLang="en-US"/>
           </a:p>
@@ -1728,7 +1728,7 @@
           <a:p>
             <a:fld id="{8BBBAE7B-3F93-4860-91AB-3045DD666FE6}" type="datetimeFigureOut">
               <a:rPr lang="zh-CN" altLang="en-US" smtClean="0"/>
-              <a:t>2017/11/3</a:t>
+              <a:t>2017/11/6</a:t>
             </a:fld>
             <a:endParaRPr lang="zh-CN" altLang="en-US"/>
           </a:p>
@@ -1823,7 +1823,7 @@
           <a:p>
             <a:fld id="{8BBBAE7B-3F93-4860-91AB-3045DD666FE6}" type="datetimeFigureOut">
               <a:rPr lang="zh-CN" altLang="en-US" smtClean="0"/>
-              <a:t>2017/11/3</a:t>
+              <a:t>2017/11/6</a:t>
             </a:fld>
             <a:endParaRPr lang="zh-CN" altLang="en-US"/>
           </a:p>
@@ -2100,7 +2100,7 @@
           <a:p>
             <a:fld id="{8BBBAE7B-3F93-4860-91AB-3045DD666FE6}" type="datetimeFigureOut">
               <a:rPr lang="zh-CN" altLang="en-US" smtClean="0"/>
-              <a:t>2017/11/3</a:t>
+              <a:t>2017/11/6</a:t>
             </a:fld>
             <a:endParaRPr lang="zh-CN" altLang="en-US"/>
           </a:p>
@@ -2353,7 +2353,7 @@
           <a:p>
             <a:fld id="{8BBBAE7B-3F93-4860-91AB-3045DD666FE6}" type="datetimeFigureOut">
               <a:rPr lang="zh-CN" altLang="en-US" smtClean="0"/>
-              <a:t>2017/11/3</a:t>
+              <a:t>2017/11/6</a:t>
             </a:fld>
             <a:endParaRPr lang="zh-CN" altLang="en-US"/>
           </a:p>
@@ -2566,7 +2566,7 @@
           <a:p>
             <a:fld id="{8BBBAE7B-3F93-4860-91AB-3045DD666FE6}" type="datetimeFigureOut">
               <a:rPr lang="zh-CN" altLang="en-US" smtClean="0"/>
-              <a:t>2017/11/3</a:t>
+              <a:t>2017/11/6</a:t>
             </a:fld>
             <a:endParaRPr lang="zh-CN" altLang="en-US"/>
           </a:p>
@@ -3314,15 +3314,11 @@
           <a:p>
             <a:r>
               <a:rPr lang="zh-CN" altLang="en-US" dirty="0" smtClean="0"/>
-              <a:t>作业</a:t>
-            </a:r>
-            <a:r>
-              <a:rPr lang="en-US" altLang="zh-CN" dirty="0" smtClean="0"/>
-              <a:t>1</a:t>
+              <a:t>作业：</a:t>
             </a:r>
             <a:r>
               <a:rPr lang="zh-CN" altLang="en-US" dirty="0" smtClean="0"/>
-              <a:t>：散点图综合练习</a:t>
+              <a:t>分面练习</a:t>
             </a:r>
             <a:endParaRPr lang="zh-CN" altLang="en-US" dirty="0"/>
           </a:p>
@@ -3340,172 +3336,67 @@
         </p:nvSpPr>
         <p:spPr/>
         <p:txBody>
-          <a:bodyPr>
-            <a:normAutofit fontScale="92500" lnSpcReduction="10000"/>
-          </a:bodyPr>
-          <a:lstStyle/>
-          <a:p>
-            <a:pPr>
-              <a:lnSpc>
-                <a:spcPct val="110000"/>
-              </a:lnSpc>
-            </a:pPr>
-            <a:r>
-              <a:rPr lang="en-US" altLang="zh-CN" dirty="0" err="1"/>
-              <a:t>LifeCycleSavings</a:t>
-            </a:r>
-            <a:r>
-              <a:rPr lang="zh-CN" altLang="en-US" dirty="0"/>
+          <a:bodyPr/>
+          <a:lstStyle/>
+          <a:p>
+            <a:r>
+              <a:rPr lang="zh-CN" altLang="en-US" dirty="0" smtClean="0"/>
               <a:t>数据</a:t>
             </a:r>
             <a:r>
               <a:rPr lang="zh-CN" altLang="en-US" dirty="0" smtClean="0"/>
-              <a:t>集中记录了</a:t>
-            </a:r>
-            <a:r>
-              <a:rPr lang="en-US" altLang="zh-CN" dirty="0" smtClean="0"/>
-              <a:t>50</a:t>
-            </a:r>
+              <a:t>集</a:t>
+            </a:r>
+            <a:r>
+              <a:rPr lang="en-US" altLang="zh-CN" dirty="0" err="1" smtClean="0"/>
+              <a:t>mtcars</a:t>
+            </a:r>
+            <a:endParaRPr lang="en-US" altLang="zh-CN" dirty="0" smtClean="0"/>
+          </a:p>
+          <a:p>
             <a:r>
               <a:rPr lang="zh-CN" altLang="en-US" dirty="0" smtClean="0"/>
-              <a:t>个国家</a:t>
-            </a:r>
-            <a:r>
-              <a:rPr lang="en-US" altLang="zh-CN" dirty="0" smtClean="0"/>
-              <a:t>1960-1970</a:t>
-            </a:r>
+              <a:t>在一个页面里做出四个图</a:t>
+            </a:r>
+            <a:endParaRPr lang="en-US" altLang="zh-CN" dirty="0" smtClean="0"/>
+          </a:p>
+          <a:p>
             <a:r>
               <a:rPr lang="zh-CN" altLang="en-US" dirty="0" smtClean="0"/>
-              <a:t>年的平均储蓄率数据，利用</a:t>
-            </a:r>
-            <a:r>
-              <a:rPr lang="en-US" altLang="zh-CN" dirty="0" smtClean="0"/>
-              <a:t>plot</a:t>
-            </a:r>
-            <a:r>
-              <a:rPr lang="zh-CN" altLang="en-US" dirty="0" smtClean="0"/>
-              <a:t>语句画出</a:t>
-            </a:r>
-            <a:r>
-              <a:rPr lang="en-US" altLang="zh-CN" dirty="0" err="1" smtClean="0"/>
-              <a:t>LifeCycleSavings</a:t>
-            </a:r>
-            <a:r>
-              <a:rPr lang="zh-CN" altLang="en-US" dirty="0" smtClean="0"/>
-              <a:t>数据集中的</a:t>
-            </a:r>
-            <a:r>
-              <a:rPr lang="en-US" altLang="zh-CN" dirty="0" err="1" smtClean="0"/>
-              <a:t>sr</a:t>
-            </a:r>
-            <a:r>
-              <a:rPr lang="zh-CN" altLang="en-US" dirty="0" smtClean="0"/>
-              <a:t>变量（累积储蓄率）和</a:t>
-            </a:r>
-            <a:r>
-              <a:rPr lang="en-US" altLang="zh-CN" dirty="0" smtClean="0"/>
-              <a:t>dpi</a:t>
-            </a:r>
-            <a:r>
-              <a:rPr lang="zh-CN" altLang="en-US" dirty="0" smtClean="0"/>
-              <a:t>变量（个人可支配收入）的散点图</a:t>
-            </a:r>
-            <a:endParaRPr lang="en-US" altLang="zh-CN" dirty="0" smtClean="0"/>
-          </a:p>
-          <a:p>
-            <a:pPr>
-              <a:lnSpc>
-                <a:spcPct val="110000"/>
-              </a:lnSpc>
-            </a:pPr>
-            <a:r>
-              <a:rPr lang="zh-CN" altLang="en-US" dirty="0" smtClean="0"/>
-              <a:t>利用虚线分割个人可支配收入高于和低于</a:t>
-            </a:r>
-            <a:r>
-              <a:rPr lang="en-US" altLang="zh-CN" dirty="0" smtClean="0"/>
-              <a:t>2000</a:t>
-            </a:r>
-            <a:r>
-              <a:rPr lang="zh-CN" altLang="en-US" dirty="0" smtClean="0"/>
-              <a:t>的国家</a:t>
-            </a:r>
-            <a:endParaRPr lang="en-US" altLang="zh-CN" dirty="0" smtClean="0"/>
-          </a:p>
-          <a:p>
-            <a:pPr>
-              <a:lnSpc>
-                <a:spcPct val="110000"/>
-              </a:lnSpc>
-            </a:pPr>
-            <a:r>
-              <a:rPr lang="zh-CN" altLang="en-US" dirty="0" smtClean="0"/>
-              <a:t>利用虚线分割开累积储蓄率高于和低于</a:t>
-            </a:r>
-            <a:r>
-              <a:rPr lang="en-US" altLang="zh-CN" dirty="0" smtClean="0"/>
-              <a:t>15%</a:t>
-            </a:r>
-            <a:r>
-              <a:rPr lang="zh-CN" altLang="en-US" dirty="0" smtClean="0"/>
-              <a:t>的国家（注意</a:t>
-            </a:r>
-            <a:r>
-              <a:rPr lang="en-US" altLang="zh-CN" dirty="0" err="1" smtClean="0"/>
-              <a:t>sr</a:t>
-            </a:r>
-            <a:r>
-              <a:rPr lang="zh-CN" altLang="en-US" dirty="0" smtClean="0"/>
-              <a:t>中直接存储的百分率的有效数字，而非比例数字）</a:t>
-            </a:r>
-            <a:endParaRPr lang="en-US" altLang="zh-CN" dirty="0" smtClean="0"/>
-          </a:p>
-          <a:p>
-            <a:pPr>
-              <a:lnSpc>
-                <a:spcPct val="110000"/>
-              </a:lnSpc>
-            </a:pPr>
-            <a:r>
-              <a:rPr lang="zh-CN" altLang="en-US" dirty="0" smtClean="0"/>
-              <a:t>利用取子集的方法选出</a:t>
-            </a:r>
-            <a:r>
-              <a:rPr lang="zh-CN" altLang="en-US" smtClean="0"/>
-              <a:t>高收入且高</a:t>
-            </a:r>
-            <a:r>
-              <a:rPr lang="zh-CN" altLang="en-US" dirty="0" smtClean="0"/>
-              <a:t>储蓄国家，在相应点旁标注其国家名称</a:t>
-            </a:r>
-            <a:endParaRPr lang="en-US" altLang="zh-CN" dirty="0" smtClean="0"/>
-          </a:p>
-          <a:p>
-            <a:pPr>
-              <a:lnSpc>
-                <a:spcPct val="110000"/>
-              </a:lnSpc>
-            </a:pPr>
-            <a:r>
-              <a:rPr lang="zh-CN" altLang="en-US" dirty="0" smtClean="0"/>
-              <a:t>为中国的数据点添加标签“</a:t>
-            </a:r>
-            <a:r>
-              <a:rPr lang="en-US" altLang="zh-CN" dirty="0" smtClean="0"/>
-              <a:t>China</a:t>
-            </a:r>
-            <a:r>
-              <a:rPr lang="zh-CN" altLang="en-US" dirty="0" smtClean="0"/>
-              <a:t>”，并画箭头指向该点</a:t>
+              <a:t>达到右侧效果</a:t>
             </a:r>
             <a:endParaRPr lang="zh-CN" altLang="en-US" dirty="0"/>
           </a:p>
         </p:txBody>
       </p:sp>
+      <p:pic>
+        <p:nvPicPr>
+          <p:cNvPr id="5" name="图片 4"/>
+          <p:cNvPicPr>
+            <a:picLocks noChangeAspect="1"/>
+          </p:cNvPicPr>
+          <p:nvPr/>
+        </p:nvPicPr>
+        <p:blipFill>
+          <a:blip r:embed="rId2"/>
+          <a:stretch>
+            <a:fillRect/>
+          </a:stretch>
+        </p:blipFill>
+        <p:spPr>
+          <a:xfrm>
+            <a:off x="5661102" y="133815"/>
+            <a:ext cx="6400800" cy="6400800"/>
+          </a:xfrm>
+          <a:prstGeom prst="rect">
+            <a:avLst/>
+          </a:prstGeom>
+        </p:spPr>
+      </p:pic>
     </p:spTree>
     <p:extLst>
       <p:ext uri="{BB962C8B-B14F-4D97-AF65-F5344CB8AC3E}">
-        <p14:creationId xmlns:p14="http://schemas.microsoft.com/office/powerpoint/2010/main" val="25373108"/>
+        <p14:creationId xmlns:p14="http://schemas.microsoft.com/office/powerpoint/2010/main" val="989881199"/>
       </p:ext>
     </p:extLst>
   </p:cSld>
@@ -3549,110 +3440,194 @@
           <a:p>
             <a:r>
               <a:rPr lang="zh-CN" altLang="en-US" dirty="0" smtClean="0"/>
-              <a:t>作业</a:t>
+              <a:t>作业（选作）：</a:t>
+            </a:r>
+            <a:r>
+              <a:rPr lang="zh-CN" altLang="en-US" dirty="0" smtClean="0"/>
+              <a:t>散点图综合练习</a:t>
+            </a:r>
+            <a:endParaRPr lang="zh-CN" altLang="en-US" dirty="0"/>
+          </a:p>
+        </p:txBody>
+      </p:sp>
+      <p:sp>
+        <p:nvSpPr>
+          <p:cNvPr id="3" name="内容占位符 2"/>
+          <p:cNvSpPr>
+            <a:spLocks noGrp="1"/>
+          </p:cNvSpPr>
+          <p:nvPr>
+            <p:ph idx="1"/>
+          </p:nvPr>
+        </p:nvSpPr>
+        <p:spPr/>
+        <p:txBody>
+          <a:bodyPr>
+            <a:normAutofit fontScale="92500" lnSpcReduction="10000"/>
+          </a:bodyPr>
+          <a:lstStyle/>
+          <a:p>
+            <a:pPr>
+              <a:lnSpc>
+                <a:spcPct val="110000"/>
+              </a:lnSpc>
+            </a:pPr>
+            <a:r>
+              <a:rPr lang="en-US" altLang="zh-CN" dirty="0" err="1"/>
+              <a:t>LifeCycleSavings</a:t>
+            </a:r>
+            <a:r>
+              <a:rPr lang="zh-CN" altLang="en-US" dirty="0"/>
+              <a:t>数据</a:t>
+            </a:r>
+            <a:r>
+              <a:rPr lang="zh-CN" altLang="en-US" dirty="0" smtClean="0"/>
+              <a:t>集中记录了</a:t>
             </a:r>
             <a:r>
               <a:rPr lang="en-US" altLang="zh-CN" dirty="0" smtClean="0"/>
-              <a:t>2</a:t>
+              <a:t>50</a:t>
             </a:r>
             <a:r>
               <a:rPr lang="zh-CN" altLang="en-US" dirty="0" smtClean="0"/>
-              <a:t>：分位面练习</a:t>
+              <a:t>个国家</a:t>
+            </a:r>
+            <a:r>
+              <a:rPr lang="en-US" altLang="zh-CN" dirty="0" smtClean="0"/>
+              <a:t>1960-1970</a:t>
+            </a:r>
+            <a:r>
+              <a:rPr lang="zh-CN" altLang="en-US" dirty="0" smtClean="0"/>
+              <a:t>年的平均储蓄率数据，利用</a:t>
+            </a:r>
+            <a:r>
+              <a:rPr lang="en-US" altLang="zh-CN" dirty="0" smtClean="0"/>
+              <a:t>plot</a:t>
+            </a:r>
+            <a:r>
+              <a:rPr lang="zh-CN" altLang="en-US" dirty="0" smtClean="0"/>
+              <a:t>语句画出</a:t>
+            </a:r>
+            <a:r>
+              <a:rPr lang="en-US" altLang="zh-CN" dirty="0" err="1" smtClean="0"/>
+              <a:t>LifeCycleSavings</a:t>
+            </a:r>
+            <a:r>
+              <a:rPr lang="zh-CN" altLang="en-US" dirty="0" smtClean="0"/>
+              <a:t>数据集中的</a:t>
+            </a:r>
+            <a:r>
+              <a:rPr lang="en-US" altLang="zh-CN" dirty="0" err="1" smtClean="0"/>
+              <a:t>sr</a:t>
+            </a:r>
+            <a:r>
+              <a:rPr lang="zh-CN" altLang="en-US" dirty="0" smtClean="0"/>
+              <a:t>变量（累积储蓄率）和</a:t>
+            </a:r>
+            <a:r>
+              <a:rPr lang="en-US" altLang="zh-CN" dirty="0" smtClean="0"/>
+              <a:t>dpi</a:t>
+            </a:r>
+            <a:r>
+              <a:rPr lang="zh-CN" altLang="en-US" dirty="0" smtClean="0"/>
+              <a:t>变量（个人可支配收入）的散点图</a:t>
+            </a:r>
+            <a:endParaRPr lang="en-US" altLang="zh-CN" dirty="0" smtClean="0"/>
+          </a:p>
+          <a:p>
+            <a:pPr>
+              <a:lnSpc>
+                <a:spcPct val="110000"/>
+              </a:lnSpc>
+            </a:pPr>
+            <a:r>
+              <a:rPr lang="zh-CN" altLang="en-US" dirty="0" smtClean="0"/>
+              <a:t>利用虚线分割个人可支配收入高于和低于</a:t>
+            </a:r>
+            <a:r>
+              <a:rPr lang="en-US" altLang="zh-CN" dirty="0" smtClean="0"/>
+              <a:t>2000</a:t>
+            </a:r>
+            <a:r>
+              <a:rPr lang="zh-CN" altLang="en-US" dirty="0" smtClean="0"/>
+              <a:t>的国家</a:t>
+            </a:r>
+            <a:endParaRPr lang="en-US" altLang="zh-CN" dirty="0" smtClean="0"/>
+          </a:p>
+          <a:p>
+            <a:pPr>
+              <a:lnSpc>
+                <a:spcPct val="110000"/>
+              </a:lnSpc>
+            </a:pPr>
+            <a:r>
+              <a:rPr lang="zh-CN" altLang="en-US" dirty="0" smtClean="0"/>
+              <a:t>利用虚线分割开累积储蓄率高于和低于</a:t>
+            </a:r>
+            <a:r>
+              <a:rPr lang="en-US" altLang="zh-CN" dirty="0" smtClean="0"/>
+              <a:t>15%</a:t>
+            </a:r>
+            <a:r>
+              <a:rPr lang="zh-CN" altLang="en-US" dirty="0" smtClean="0"/>
+              <a:t>的国家（注意</a:t>
+            </a:r>
+            <a:r>
+              <a:rPr lang="en-US" altLang="zh-CN" dirty="0" err="1" smtClean="0"/>
+              <a:t>sr</a:t>
+            </a:r>
+            <a:r>
+              <a:rPr lang="zh-CN" altLang="en-US" dirty="0" smtClean="0"/>
+              <a:t>中直接存储的百分率的有效数字，而非比例数字）</a:t>
+            </a:r>
+            <a:endParaRPr lang="en-US" altLang="zh-CN" dirty="0" smtClean="0"/>
+          </a:p>
+          <a:p>
+            <a:pPr>
+              <a:lnSpc>
+                <a:spcPct val="110000"/>
+              </a:lnSpc>
+            </a:pPr>
+            <a:r>
+              <a:rPr lang="zh-CN" altLang="en-US" dirty="0" smtClean="0"/>
+              <a:t>利用取子集的方法选出</a:t>
+            </a:r>
+            <a:r>
+              <a:rPr lang="zh-CN" altLang="en-US" smtClean="0"/>
+              <a:t>高收入且高</a:t>
+            </a:r>
+            <a:r>
+              <a:rPr lang="zh-CN" altLang="en-US" dirty="0" smtClean="0"/>
+              <a:t>储蓄国家，在相应点旁标注其国家名称</a:t>
+            </a:r>
+            <a:endParaRPr lang="en-US" altLang="zh-CN" dirty="0" smtClean="0"/>
+          </a:p>
+          <a:p>
+            <a:pPr>
+              <a:lnSpc>
+                <a:spcPct val="110000"/>
+              </a:lnSpc>
+            </a:pPr>
+            <a:r>
+              <a:rPr lang="zh-CN" altLang="en-US" dirty="0" smtClean="0"/>
+              <a:t>为中国的数据点添加标签“</a:t>
+            </a:r>
+            <a:r>
+              <a:rPr lang="en-US" altLang="zh-CN" dirty="0" smtClean="0"/>
+              <a:t>China</a:t>
+            </a:r>
+            <a:r>
+              <a:rPr lang="zh-CN" altLang="en-US" dirty="0" smtClean="0"/>
+              <a:t>”，并画箭头指向该点</a:t>
             </a:r>
             <a:endParaRPr lang="zh-CN" altLang="en-US" dirty="0"/>
           </a:p>
         </p:txBody>
       </p:sp>
-      <p:sp>
-        <p:nvSpPr>
-          <p:cNvPr id="3" name="内容占位符 2"/>
-          <p:cNvSpPr>
-            <a:spLocks noGrp="1"/>
-          </p:cNvSpPr>
-          <p:nvPr>
-            <p:ph idx="1"/>
-          </p:nvPr>
-        </p:nvSpPr>
-        <p:spPr/>
-        <p:txBody>
-          <a:bodyPr/>
-          <a:lstStyle/>
-          <a:p>
-            <a:r>
-              <a:rPr lang="zh-CN" altLang="en-US" dirty="0" smtClean="0"/>
-              <a:t>利用</a:t>
-            </a:r>
-            <a:r>
-              <a:rPr lang="en-US" altLang="zh-CN" dirty="0" err="1" smtClean="0"/>
-              <a:t>hist</a:t>
-            </a:r>
-            <a:r>
-              <a:rPr lang="zh-CN" altLang="en-US" dirty="0" smtClean="0"/>
-              <a:t>做直方图</a:t>
-            </a:r>
-            <a:endParaRPr lang="en-US" altLang="zh-CN" dirty="0" smtClean="0"/>
-          </a:p>
-          <a:p>
-            <a:r>
-              <a:rPr lang="zh-CN" altLang="en-US" dirty="0" smtClean="0"/>
-              <a:t>数据集</a:t>
-            </a:r>
-            <a:r>
-              <a:rPr lang="en-US" altLang="zh-CN" dirty="0" err="1" smtClean="0"/>
-              <a:t>mtcars$mpg</a:t>
-            </a:r>
-            <a:endParaRPr lang="en-US" altLang="zh-CN" dirty="0" smtClean="0"/>
-          </a:p>
-          <a:p>
-            <a:r>
-              <a:rPr lang="zh-CN" altLang="en-US" dirty="0" smtClean="0"/>
-              <a:t>在一个页面里做出四个图</a:t>
-            </a:r>
-            <a:endParaRPr lang="en-US" altLang="zh-CN" dirty="0" smtClean="0"/>
-          </a:p>
-          <a:p>
-            <a:r>
-              <a:rPr lang="zh-CN" altLang="en-US" dirty="0" smtClean="0"/>
-              <a:t>达到右侧效果</a:t>
-            </a:r>
-            <a:endParaRPr lang="zh-CN" altLang="en-US" dirty="0"/>
-          </a:p>
-        </p:txBody>
-      </p:sp>
-      <p:pic>
-        <p:nvPicPr>
-          <p:cNvPr id="4" name="内容占位符 3"/>
-          <p:cNvPicPr>
-            <a:picLocks noChangeAspect="1"/>
-          </p:cNvPicPr>
-          <p:nvPr/>
-        </p:nvPicPr>
-        <p:blipFill>
-          <a:blip r:embed="rId2">
-            <a:extLst>
-              <a:ext uri="{28A0092B-C50C-407E-A947-70E740481C1C}">
-                <a14:useLocalDpi xmlns:a14="http://schemas.microsoft.com/office/drawing/2010/main" val="0"/>
-              </a:ext>
-            </a:extLst>
-          </a:blip>
-          <a:stretch>
-            <a:fillRect/>
-          </a:stretch>
-        </p:blipFill>
-        <p:spPr>
-          <a:xfrm>
-            <a:off x="5736188" y="2036376"/>
-            <a:ext cx="5457825" cy="3743325"/>
-          </a:xfrm>
-          <a:prstGeom prst="rect">
-            <a:avLst/>
-          </a:prstGeom>
-        </p:spPr>
-      </p:pic>
     </p:spTree>
     <p:extLst>
       <p:ext uri="{BB962C8B-B14F-4D97-AF65-F5344CB8AC3E}">
-        <p14:creationId xmlns:p14="http://schemas.microsoft.com/office/powerpoint/2010/main" val="989881199"/>
+        <p14:creationId xmlns:p14="http://schemas.microsoft.com/office/powerpoint/2010/main" val="25373108"/>
       </p:ext>
     </p:extLst>
   </p:cSld>

--- a/作业5-数据可视化.pptx
+++ b/作业5-数据可视化.pptx
@@ -245,7 +245,7 @@
           <a:p>
             <a:fld id="{8BBBAE7B-3F93-4860-91AB-3045DD666FE6}" type="datetimeFigureOut">
               <a:rPr lang="zh-CN" altLang="en-US" smtClean="0"/>
-              <a:t>2017/11/6</a:t>
+              <a:t>2017/11/9</a:t>
             </a:fld>
             <a:endParaRPr lang="zh-CN" altLang="en-US"/>
           </a:p>
@@ -415,7 +415,7 @@
           <a:p>
             <a:fld id="{8BBBAE7B-3F93-4860-91AB-3045DD666FE6}" type="datetimeFigureOut">
               <a:rPr lang="zh-CN" altLang="en-US" smtClean="0"/>
-              <a:t>2017/11/6</a:t>
+              <a:t>2017/11/9</a:t>
             </a:fld>
             <a:endParaRPr lang="zh-CN" altLang="en-US"/>
           </a:p>
@@ -595,7 +595,7 @@
           <a:p>
             <a:fld id="{8BBBAE7B-3F93-4860-91AB-3045DD666FE6}" type="datetimeFigureOut">
               <a:rPr lang="zh-CN" altLang="en-US" smtClean="0"/>
-              <a:t>2017/11/6</a:t>
+              <a:t>2017/11/9</a:t>
             </a:fld>
             <a:endParaRPr lang="zh-CN" altLang="en-US"/>
           </a:p>
@@ -765,7 +765,7 @@
           <a:p>
             <a:fld id="{8BBBAE7B-3F93-4860-91AB-3045DD666FE6}" type="datetimeFigureOut">
               <a:rPr lang="zh-CN" altLang="en-US" smtClean="0"/>
-              <a:t>2017/11/6</a:t>
+              <a:t>2017/11/9</a:t>
             </a:fld>
             <a:endParaRPr lang="zh-CN" altLang="en-US"/>
           </a:p>
@@ -1011,7 +1011,7 @@
           <a:p>
             <a:fld id="{8BBBAE7B-3F93-4860-91AB-3045DD666FE6}" type="datetimeFigureOut">
               <a:rPr lang="zh-CN" altLang="en-US" smtClean="0"/>
-              <a:t>2017/11/6</a:t>
+              <a:t>2017/11/9</a:t>
             </a:fld>
             <a:endParaRPr lang="zh-CN" altLang="en-US"/>
           </a:p>
@@ -1243,7 +1243,7 @@
           <a:p>
             <a:fld id="{8BBBAE7B-3F93-4860-91AB-3045DD666FE6}" type="datetimeFigureOut">
               <a:rPr lang="zh-CN" altLang="en-US" smtClean="0"/>
-              <a:t>2017/11/6</a:t>
+              <a:t>2017/11/9</a:t>
             </a:fld>
             <a:endParaRPr lang="zh-CN" altLang="en-US"/>
           </a:p>
@@ -1610,7 +1610,7 @@
           <a:p>
             <a:fld id="{8BBBAE7B-3F93-4860-91AB-3045DD666FE6}" type="datetimeFigureOut">
               <a:rPr lang="zh-CN" altLang="en-US" smtClean="0"/>
-              <a:t>2017/11/6</a:t>
+              <a:t>2017/11/9</a:t>
             </a:fld>
             <a:endParaRPr lang="zh-CN" altLang="en-US"/>
           </a:p>
@@ -1728,7 +1728,7 @@
           <a:p>
             <a:fld id="{8BBBAE7B-3F93-4860-91AB-3045DD666FE6}" type="datetimeFigureOut">
               <a:rPr lang="zh-CN" altLang="en-US" smtClean="0"/>
-              <a:t>2017/11/6</a:t>
+              <a:t>2017/11/9</a:t>
             </a:fld>
             <a:endParaRPr lang="zh-CN" altLang="en-US"/>
           </a:p>
@@ -1823,7 +1823,7 @@
           <a:p>
             <a:fld id="{8BBBAE7B-3F93-4860-91AB-3045DD666FE6}" type="datetimeFigureOut">
               <a:rPr lang="zh-CN" altLang="en-US" smtClean="0"/>
-              <a:t>2017/11/6</a:t>
+              <a:t>2017/11/9</a:t>
             </a:fld>
             <a:endParaRPr lang="zh-CN" altLang="en-US"/>
           </a:p>
@@ -2100,7 +2100,7 @@
           <a:p>
             <a:fld id="{8BBBAE7B-3F93-4860-91AB-3045DD666FE6}" type="datetimeFigureOut">
               <a:rPr lang="zh-CN" altLang="en-US" smtClean="0"/>
-              <a:t>2017/11/6</a:t>
+              <a:t>2017/11/9</a:t>
             </a:fld>
             <a:endParaRPr lang="zh-CN" altLang="en-US"/>
           </a:p>
@@ -2353,7 +2353,7 @@
           <a:p>
             <a:fld id="{8BBBAE7B-3F93-4860-91AB-3045DD666FE6}" type="datetimeFigureOut">
               <a:rPr lang="zh-CN" altLang="en-US" smtClean="0"/>
-              <a:t>2017/11/6</a:t>
+              <a:t>2017/11/9</a:t>
             </a:fld>
             <a:endParaRPr lang="zh-CN" altLang="en-US"/>
           </a:p>
@@ -2566,7 +2566,7 @@
           <a:p>
             <a:fld id="{8BBBAE7B-3F93-4860-91AB-3045DD666FE6}" type="datetimeFigureOut">
               <a:rPr lang="zh-CN" altLang="en-US" smtClean="0"/>
-              <a:t>2017/11/6</a:t>
+              <a:t>2017/11/9</a:t>
             </a:fld>
             <a:endParaRPr lang="zh-CN" altLang="en-US"/>
           </a:p>
@@ -2994,10 +2994,6 @@
               <a:rPr lang="en-US" altLang="zh-CN" dirty="0" smtClean="0"/>
               <a:t>5</a:t>
             </a:r>
-            <a:r>
-              <a:rPr lang="zh-CN" altLang="en-US" dirty="0" smtClean="0"/>
-              <a:t>（暂定）</a:t>
-            </a:r>
             <a:endParaRPr lang="zh-CN" altLang="en-US" dirty="0"/>
           </a:p>
         </p:txBody>
@@ -3314,38 +3310,30 @@
           <a:p>
             <a:r>
               <a:rPr lang="zh-CN" altLang="en-US" dirty="0" smtClean="0"/>
-              <a:t>作业：</a:t>
-            </a:r>
+              <a:t>作业：分面练习</a:t>
+            </a:r>
+            <a:endParaRPr lang="zh-CN" altLang="en-US" dirty="0"/>
+          </a:p>
+        </p:txBody>
+      </p:sp>
+      <p:sp>
+        <p:nvSpPr>
+          <p:cNvPr id="3" name="内容占位符 2"/>
+          <p:cNvSpPr>
+            <a:spLocks noGrp="1"/>
+          </p:cNvSpPr>
+          <p:nvPr>
+            <p:ph idx="1"/>
+          </p:nvPr>
+        </p:nvSpPr>
+        <p:spPr/>
+        <p:txBody>
+          <a:bodyPr/>
+          <a:lstStyle/>
+          <a:p>
             <a:r>
               <a:rPr lang="zh-CN" altLang="en-US" dirty="0" smtClean="0"/>
-              <a:t>分面练习</a:t>
-            </a:r>
-            <a:endParaRPr lang="zh-CN" altLang="en-US" dirty="0"/>
-          </a:p>
-        </p:txBody>
-      </p:sp>
-      <p:sp>
-        <p:nvSpPr>
-          <p:cNvPr id="3" name="内容占位符 2"/>
-          <p:cNvSpPr>
-            <a:spLocks noGrp="1"/>
-          </p:cNvSpPr>
-          <p:nvPr>
-            <p:ph idx="1"/>
-          </p:nvPr>
-        </p:nvSpPr>
-        <p:spPr/>
-        <p:txBody>
-          <a:bodyPr/>
-          <a:lstStyle/>
-          <a:p>
-            <a:r>
-              <a:rPr lang="zh-CN" altLang="en-US" dirty="0" smtClean="0"/>
-              <a:t>数据</a:t>
-            </a:r>
-            <a:r>
-              <a:rPr lang="zh-CN" altLang="en-US" dirty="0" smtClean="0"/>
-              <a:t>集</a:t>
+              <a:t>数据集</a:t>
             </a:r>
             <a:r>
               <a:rPr lang="en-US" altLang="zh-CN" dirty="0" err="1" smtClean="0"/>
@@ -3440,11 +3428,7 @@
           <a:p>
             <a:r>
               <a:rPr lang="zh-CN" altLang="en-US" dirty="0" smtClean="0"/>
-              <a:t>作业（选作）：</a:t>
-            </a:r>
-            <a:r>
-              <a:rPr lang="zh-CN" altLang="en-US" dirty="0" smtClean="0"/>
-              <a:t>散点图综合练习</a:t>
+              <a:t>作业（选作）：散点图综合练习</a:t>
             </a:r>
             <a:endParaRPr lang="zh-CN" altLang="en-US" dirty="0"/>
           </a:p>
